--- a/Space Fight.pptx
+++ b/Space Fight.pptx
@@ -7,6 +7,8 @@
   <p:sldIdLst>
     <p:sldId id="256" r:id="rId2"/>
     <p:sldId id="257" r:id="rId3"/>
+    <p:sldId id="258" r:id="rId4"/>
+    <p:sldId id="259" r:id="rId5"/>
   </p:sldIdLst>
   <p:sldSz cx="12192000" cy="6858000"/>
   <p:notesSz cx="6858000" cy="9144000"/>
@@ -3007,7 +3009,7 @@
                 <a:solidFill>
                   <a:schemeClr val="bg1"/>
                 </a:solidFill>
-                <a:latin typeface="ISOCPEUR" panose="020B0604020202020204" pitchFamily="34" charset="0"/>
+                <a:latin typeface="hooge 05_55" panose="00000400000000000000" pitchFamily="2" charset="0"/>
                 <a:cs typeface="GENISO" panose="02000400000000000000" pitchFamily="2" charset="0"/>
               </a:rPr>
               <a:t>Space Fight</a:t>
@@ -3125,7 +3127,7 @@
         </p:nvSpPr>
         <p:spPr>
           <a:xfrm>
-            <a:off x="10620374" y="6305550"/>
+            <a:off x="11420474" y="5342163"/>
             <a:ext cx="352425" cy="246221"/>
           </a:xfrm>
           <a:prstGeom prst="rect">
@@ -3220,29 +3222,137 @@
         </p:nvSpPr>
         <p:spPr>
           <a:xfrm>
-            <a:off x="838200" y="365125"/>
-            <a:ext cx="10515600" cy="968375"/>
+            <a:off x="3714240" y="170916"/>
+            <a:ext cx="5219367" cy="1325563"/>
           </a:xfrm>
         </p:spPr>
         <p:txBody>
           <a:bodyPr/>
           <a:lstStyle/>
           <a:p>
-            <a:pPr algn="ctr"/>
             <a:r>
               <a:rPr lang="ru-RU" dirty="0" smtClean="0">
                 <a:solidFill>
                   <a:schemeClr val="bg1"/>
                 </a:solidFill>
-                <a:latin typeface="ISOCPEUR" panose="020B0604020202020204" pitchFamily="34" charset="0"/>
+                <a:latin typeface="Arial" panose="020B0604020202020204" pitchFamily="34" charset="0"/>
+                <a:cs typeface="Arial" panose="020B0604020202020204" pitchFamily="34" charset="0"/>
               </a:rPr>
               <a:t>Постановка задачи</a:t>
+            </a:r>
+            <a:endParaRPr lang="ru-RU" dirty="0">
+              <a:latin typeface="Arial" panose="020B0604020202020204" pitchFamily="34" charset="0"/>
+              <a:cs typeface="Arial" panose="020B0604020202020204" pitchFamily="34" charset="0"/>
+            </a:endParaRPr>
+          </a:p>
+        </p:txBody>
+      </p:sp>
+      <p:sp>
+        <p:nvSpPr>
+          <p:cNvPr id="4" name="Объект 3"/>
+          <p:cNvSpPr>
+            <a:spLocks noGrp="1"/>
+          </p:cNvSpPr>
+          <p:nvPr>
+            <p:ph idx="1"/>
+          </p:nvPr>
+        </p:nvSpPr>
+        <p:spPr>
+          <a:xfrm>
+            <a:off x="838200" y="1214461"/>
+            <a:ext cx="4105275" cy="4351338"/>
+          </a:xfrm>
+        </p:spPr>
+        <p:txBody>
+          <a:bodyPr>
+            <a:normAutofit/>
+          </a:bodyPr>
+          <a:lstStyle/>
+          <a:p>
+            <a:pPr marL="0" indent="0">
+              <a:buNone/>
+            </a:pPr>
+            <a:r>
+              <a:rPr lang="ru-RU" dirty="0" smtClean="0">
+                <a:solidFill>
+                  <a:schemeClr val="bg1"/>
+                </a:solidFill>
+                <a:latin typeface="Arial" panose="020B0604020202020204" pitchFamily="34" charset="0"/>
+                <a:cs typeface="Arial" panose="020B0604020202020204" pitchFamily="34" charset="0"/>
+              </a:rPr>
+              <a:t>Нашей задачей было создать игру в жанре </a:t>
+            </a:r>
+            <a:r>
+              <a:rPr lang="en-US" dirty="0" smtClean="0">
+                <a:solidFill>
+                  <a:schemeClr val="bg1"/>
+                </a:solidFill>
+                <a:latin typeface="Arial" panose="020B0604020202020204" pitchFamily="34" charset="0"/>
+                <a:cs typeface="Arial" panose="020B0604020202020204" pitchFamily="34" charset="0"/>
+              </a:rPr>
+              <a:t>action</a:t>
+            </a:r>
+            <a:r>
+              <a:rPr lang="ru-RU" dirty="0" smtClean="0">
+                <a:solidFill>
+                  <a:schemeClr val="bg1"/>
+                </a:solidFill>
+                <a:latin typeface="Arial" panose="020B0604020202020204" pitchFamily="34" charset="0"/>
+                <a:cs typeface="Arial" panose="020B0604020202020204" pitchFamily="34" charset="0"/>
+              </a:rPr>
+              <a:t>.</a:t>
+            </a:r>
+          </a:p>
+          <a:p>
+            <a:pPr marL="0" indent="0">
+              <a:buNone/>
+            </a:pPr>
+            <a:r>
+              <a:rPr lang="ru-RU" dirty="0" smtClean="0">
+                <a:solidFill>
+                  <a:schemeClr val="bg1"/>
+                </a:solidFill>
+                <a:latin typeface="Arial" panose="020B0604020202020204" pitchFamily="34" charset="0"/>
+                <a:cs typeface="Arial" panose="020B0604020202020204" pitchFamily="34" charset="0"/>
+              </a:rPr>
+              <a:t>Мы решили взять за основу концепцию игры </a:t>
+            </a:r>
+            <a:r>
+              <a:rPr lang="en-US" dirty="0" err="1" smtClean="0">
+                <a:solidFill>
+                  <a:schemeClr val="bg1"/>
+                </a:solidFill>
+                <a:latin typeface="Arial" panose="020B0604020202020204" pitchFamily="34" charset="0"/>
+                <a:cs typeface="Arial" panose="020B0604020202020204" pitchFamily="34" charset="0"/>
+              </a:rPr>
+              <a:t>galaga</a:t>
+            </a:r>
+            <a:r>
+              <a:rPr lang="en-US" dirty="0" smtClean="0">
+                <a:solidFill>
+                  <a:schemeClr val="bg1"/>
+                </a:solidFill>
+                <a:latin typeface="Arial" panose="020B0604020202020204" pitchFamily="34" charset="0"/>
+                <a:cs typeface="Arial" panose="020B0604020202020204" pitchFamily="34" charset="0"/>
+              </a:rPr>
+              <a:t> </a:t>
+            </a:r>
+            <a:r>
+              <a:rPr lang="ru-RU" dirty="0" smtClean="0">
+                <a:solidFill>
+                  <a:schemeClr val="bg1"/>
+                </a:solidFill>
+                <a:latin typeface="Arial" panose="020B0604020202020204" pitchFamily="34" charset="0"/>
+                <a:cs typeface="Arial" panose="020B0604020202020204" pitchFamily="34" charset="0"/>
+              </a:rPr>
+              <a:t>и немного её изменить. </a:t>
             </a:r>
             <a:endParaRPr lang="ru-RU" dirty="0">
               <a:solidFill>
                 <a:schemeClr val="bg1"/>
               </a:solidFill>
-              <a:latin typeface="ISOCPEUR" panose="020B0604020202020204" pitchFamily="34" charset="0"/>
+              <a:latin typeface="Arial" panose="020B0604020202020204" pitchFamily="34" charset="0"/>
+              <a:cs typeface="Arial" panose="020B0604020202020204" pitchFamily="34" charset="0"/>
             </a:endParaRPr>
           </a:p>
         </p:txBody>
@@ -3316,46 +3426,60 @@
           </a:prstGeom>
         </p:spPr>
       </p:pic>
-      <p:sp>
-        <p:nvSpPr>
-          <p:cNvPr id="10" name="TextBox 9"/>
-          <p:cNvSpPr txBox="1"/>
+      <p:pic>
+        <p:nvPicPr>
+          <p:cNvPr id="1026" name="Picture 2"/>
+          <p:cNvPicPr>
+            <a:picLocks noChangeAspect="1" noChangeArrowheads="1"/>
+          </p:cNvPicPr>
           <p:nvPr/>
-        </p:nvSpPr>
-        <p:spPr>
+        </p:nvPicPr>
+        <p:blipFill>
+          <a:blip r:embed="rId4" cstate="print">
+            <a:extLst>
+              <a:ext uri="{28A0092B-C50C-407E-A947-70E740481C1C}">
+                <a14:useLocalDpi xmlns:a14="http://schemas.microsoft.com/office/drawing/2010/main" val="0"/>
+              </a:ext>
+            </a:extLst>
+          </a:blip>
+          <a:srcRect/>
+          <a:stretch>
+            <a:fillRect/>
+          </a:stretch>
+        </p:blipFill>
+        <p:spPr bwMode="auto">
           <a:xfrm>
-            <a:off x="495301" y="2476500"/>
-            <a:ext cx="5067300" cy="400110"/>
+            <a:off x="-160974" y="4099627"/>
+            <a:ext cx="4903774" cy="2758373"/>
           </a:xfrm>
           <a:prstGeom prst="rect">
             <a:avLst/>
           </a:prstGeom>
           <a:noFill/>
+          <a:ln>
+            <a:noFill/>
+          </a:ln>
+          <a:extLst>
+            <a:ext uri="{909E8E84-426E-40DD-AFC4-6F175D3DCCD1}">
+              <a14:hiddenFill xmlns:a14="http://schemas.microsoft.com/office/drawing/2010/main">
+                <a:solidFill>
+                  <a:schemeClr val="accent1"/>
+                </a:solidFill>
+              </a14:hiddenFill>
+            </a:ext>
+            <a:ext uri="{91240B29-F687-4F45-9708-019B960494DF}">
+              <a14:hiddenLine xmlns:a14="http://schemas.microsoft.com/office/drawing/2010/main" w="9525">
+                <a:solidFill>
+                  <a:schemeClr val="tx1"/>
+                </a:solidFill>
+                <a:miter lim="800000"/>
+                <a:headEnd/>
+                <a:tailEnd/>
+              </a14:hiddenLine>
+            </a:ext>
+          </a:extLst>
         </p:spPr>
-        <p:txBody>
-          <a:bodyPr wrap="square" rtlCol="0">
-            <a:spAutoFit/>
-          </a:bodyPr>
-          <a:lstStyle/>
-          <a:p>
-            <a:r>
-              <a:rPr lang="ru-RU" sz="2000" smtClean="0">
-                <a:solidFill>
-                  <a:schemeClr val="bg1"/>
-                </a:solidFill>
-                <a:latin typeface="ISOCPEUR" panose="020B0604020202020204" pitchFamily="34" charset="0"/>
-              </a:rPr>
-              <a:t>Игра:</a:t>
-            </a:r>
-            <a:endParaRPr lang="ru-RU" sz="2000" dirty="0">
-              <a:solidFill>
-                <a:schemeClr val="bg1"/>
-              </a:solidFill>
-              <a:latin typeface="ISOCPEUR" panose="020B0604020202020204" pitchFamily="34" charset="0"/>
-            </a:endParaRPr>
-          </a:p>
-        </p:txBody>
-      </p:sp>
+      </p:pic>
     </p:spTree>
     <p:extLst>
       <p:ext uri="{BB962C8B-B14F-4D97-AF65-F5344CB8AC3E}">
@@ -3373,6 +3497,240 @@
       </p:par>
     </p:tnLst>
   </p:timing>
+</p:sld>
+</file>
+
+<file path=ppt/slides/slide3.xml><?xml version="1.0" encoding="utf-8"?>
+<p:sld xmlns:a="http://schemas.openxmlformats.org/drawingml/2006/main" xmlns:r="http://schemas.openxmlformats.org/officeDocument/2006/relationships" xmlns:p="http://schemas.openxmlformats.org/presentationml/2006/main">
+  <p:cSld>
+    <p:bg>
+      <p:bgPr>
+        <a:blipFill dpi="0" rotWithShape="1">
+          <a:blip r:embed="rId2">
+            <a:lum/>
+          </a:blip>
+          <a:srcRect/>
+          <a:stretch>
+            <a:fillRect/>
+          </a:stretch>
+        </a:blipFill>
+        <a:effectLst/>
+      </p:bgPr>
+    </p:bg>
+    <p:spTree>
+      <p:nvGrpSpPr>
+        <p:cNvPr id="1" name=""/>
+        <p:cNvGrpSpPr/>
+        <p:nvPr/>
+      </p:nvGrpSpPr>
+      <p:grpSpPr>
+        <a:xfrm>
+          <a:off x="0" y="0"/>
+          <a:ext cx="0" cy="0"/>
+          <a:chOff x="0" y="0"/>
+          <a:chExt cx="0" cy="0"/>
+        </a:xfrm>
+      </p:grpSpPr>
+      <p:sp>
+        <p:nvSpPr>
+          <p:cNvPr id="2" name="Заголовок 1"/>
+          <p:cNvSpPr>
+            <a:spLocks noGrp="1"/>
+          </p:cNvSpPr>
+          <p:nvPr>
+            <p:ph type="title"/>
+          </p:nvPr>
+        </p:nvSpPr>
+        <p:spPr>
+          <a:xfrm>
+            <a:off x="2128206" y="170916"/>
+            <a:ext cx="7824998" cy="1325563"/>
+          </a:xfrm>
+        </p:spPr>
+        <p:txBody>
+          <a:bodyPr/>
+          <a:lstStyle/>
+          <a:p>
+            <a:pPr algn="ctr"/>
+            <a:r>
+              <a:rPr lang="ru-RU" dirty="0" smtClean="0">
+                <a:solidFill>
+                  <a:schemeClr val="bg1"/>
+                </a:solidFill>
+                <a:latin typeface="Arial" panose="020B0604020202020204" pitchFamily="34" charset="0"/>
+                <a:cs typeface="Arial" panose="020B0604020202020204" pitchFamily="34" charset="0"/>
+              </a:rPr>
+              <a:t>Входные и выходные данные</a:t>
+            </a:r>
+            <a:endParaRPr lang="ru-RU" dirty="0">
+              <a:latin typeface="Arial" panose="020B0604020202020204" pitchFamily="34" charset="0"/>
+              <a:cs typeface="Arial" panose="020B0604020202020204" pitchFamily="34" charset="0"/>
+            </a:endParaRPr>
+          </a:p>
+        </p:txBody>
+      </p:sp>
+      <p:sp>
+        <p:nvSpPr>
+          <p:cNvPr id="7" name="AutoShape 8" descr="blob:https://web.telegram.org/fcf199f3-862b-49aa-a534-16f218634fb2"/>
+          <p:cNvSpPr>
+            <a:spLocks noChangeAspect="1" noChangeArrowheads="1"/>
+          </p:cNvSpPr>
+          <p:nvPr/>
+        </p:nvSpPr>
+        <p:spPr bwMode="auto">
+          <a:xfrm>
+            <a:off x="155575" y="-144463"/>
+            <a:ext cx="4787900" cy="4787916"/>
+          </a:xfrm>
+          <a:prstGeom prst="rect">
+            <a:avLst/>
+          </a:prstGeom>
+          <a:noFill/>
+          <a:extLst>
+            <a:ext uri="{909E8E84-426E-40DD-AFC4-6F175D3DCCD1}">
+              <a14:hiddenFill xmlns:a14="http://schemas.microsoft.com/office/drawing/2010/main">
+                <a:solidFill>
+                  <a:srgbClr val="FFFFFF"/>
+                </a:solidFill>
+              </a14:hiddenFill>
+            </a:ext>
+          </a:extLst>
+        </p:spPr>
+        <p:txBody>
+          <a:bodyPr vert="horz" wrap="square" lIns="91440" tIns="45720" rIns="91440" bIns="45720" numCol="1" anchor="t" anchorCtr="0" compatLnSpc="1">
+            <a:prstTxWarp prst="textNoShape">
+              <a:avLst/>
+            </a:prstTxWarp>
+          </a:bodyPr>
+          <a:lstStyle/>
+          <a:p>
+            <a:endParaRPr lang="ru-RU"/>
+          </a:p>
+        </p:txBody>
+      </p:sp>
+      <p:sp>
+        <p:nvSpPr>
+          <p:cNvPr id="3" name="Объект 2"/>
+          <p:cNvSpPr>
+            <a:spLocks noGrp="1"/>
+          </p:cNvSpPr>
+          <p:nvPr>
+            <p:ph idx="1"/>
+          </p:nvPr>
+        </p:nvSpPr>
+        <p:spPr>
+          <a:xfrm>
+            <a:off x="643992" y="2173582"/>
+            <a:ext cx="10515600" cy="4351338"/>
+          </a:xfrm>
+        </p:spPr>
+        <p:txBody>
+          <a:bodyPr/>
+          <a:lstStyle/>
+          <a:p>
+            <a:endParaRPr lang="ru-RU" dirty="0"/>
+          </a:p>
+        </p:txBody>
+      </p:sp>
+    </p:spTree>
+    <p:extLst>
+      <p:ext uri="{BB962C8B-B14F-4D97-AF65-F5344CB8AC3E}">
+        <p14:creationId xmlns:p14="http://schemas.microsoft.com/office/powerpoint/2010/main" val="4081756493"/>
+      </p:ext>
+    </p:extLst>
+  </p:cSld>
+  <p:clrMapOvr>
+    <a:masterClrMapping/>
+  </p:clrMapOvr>
+  <p:timing>
+    <p:tnLst>
+      <p:par>
+        <p:cTn id="1" dur="indefinite" restart="never" nodeType="tmRoot"/>
+      </p:par>
+    </p:tnLst>
+  </p:timing>
+</p:sld>
+</file>
+
+<file path=ppt/slides/slide4.xml><?xml version="1.0" encoding="utf-8"?>
+<p:sld xmlns:a="http://schemas.openxmlformats.org/drawingml/2006/main" xmlns:r="http://schemas.openxmlformats.org/officeDocument/2006/relationships" xmlns:p="http://schemas.openxmlformats.org/presentationml/2006/main">
+  <p:cSld>
+    <p:bg>
+      <p:bgPr>
+        <a:blipFill dpi="0" rotWithShape="1">
+          <a:blip r:embed="rId2">
+            <a:lum/>
+          </a:blip>
+          <a:srcRect/>
+          <a:stretch>
+            <a:fillRect/>
+          </a:stretch>
+        </a:blipFill>
+        <a:effectLst/>
+      </p:bgPr>
+    </p:bg>
+    <p:spTree>
+      <p:nvGrpSpPr>
+        <p:cNvPr id="1" name=""/>
+        <p:cNvGrpSpPr/>
+        <p:nvPr/>
+      </p:nvGrpSpPr>
+      <p:grpSpPr>
+        <a:xfrm>
+          <a:off x="0" y="0"/>
+          <a:ext cx="0" cy="0"/>
+          <a:chOff x="0" y="0"/>
+          <a:chExt cx="0" cy="0"/>
+        </a:xfrm>
+      </p:grpSpPr>
+      <p:sp>
+        <p:nvSpPr>
+          <p:cNvPr id="2" name="Заголовок 1"/>
+          <p:cNvSpPr>
+            <a:spLocks noGrp="1"/>
+          </p:cNvSpPr>
+          <p:nvPr>
+            <p:ph type="title"/>
+          </p:nvPr>
+        </p:nvSpPr>
+        <p:spPr/>
+        <p:txBody>
+          <a:bodyPr/>
+          <a:lstStyle/>
+          <a:p>
+            <a:endParaRPr lang="ru-RU"/>
+          </a:p>
+        </p:txBody>
+      </p:sp>
+      <p:sp>
+        <p:nvSpPr>
+          <p:cNvPr id="3" name="Объект 2"/>
+          <p:cNvSpPr>
+            <a:spLocks noGrp="1"/>
+          </p:cNvSpPr>
+          <p:nvPr>
+            <p:ph idx="1"/>
+          </p:nvPr>
+        </p:nvSpPr>
+        <p:spPr/>
+        <p:txBody>
+          <a:bodyPr/>
+          <a:lstStyle/>
+          <a:p>
+            <a:endParaRPr lang="ru-RU"/>
+          </a:p>
+        </p:txBody>
+      </p:sp>
+    </p:spTree>
+    <p:extLst>
+      <p:ext uri="{BB962C8B-B14F-4D97-AF65-F5344CB8AC3E}">
+        <p14:creationId xmlns:p14="http://schemas.microsoft.com/office/powerpoint/2010/main" val="3214580016"/>
+      </p:ext>
+    </p:extLst>
+  </p:cSld>
+  <p:clrMapOvr>
+    <a:masterClrMapping/>
+  </p:clrMapOvr>
 </p:sld>
 </file>
 
@@ -3631,7 +3989,7 @@
   <a:extraClrSchemeLst/>
   <a:extLst>
     <a:ext uri="{05A4C25C-085E-4340-85A3-A5531E510DB2}">
-      <thm15:themeFamily xmlns:thm15="http://schemas.microsoft.com/office/thememl/2012/main" name="Office Theme" id="{62F939B6-93AF-4DB8-9C6B-D6C7DFDC589F}" vid="{4A3C46E8-61CC-4603-A589-7422A47A8E4A}"/>
+      <thm15:themeFamily xmlns:thm15="http://schemas.microsoft.com/office/thememl/2012/main" xmlns="" name="Office Theme" id="{62F939B6-93AF-4DB8-9C6B-D6C7DFDC589F}" vid="{4A3C46E8-61CC-4603-A589-7422A47A8E4A}"/>
     </a:ext>
   </a:extLst>
 </a:theme>
